--- a/Week1/Week 1 Lecture.pptx
+++ b/Week1/Week 1 Lecture.pptx
@@ -21094,7 +21094,7 @@
             <a:tbl>
               <a:tblPr>
                 <a:noFill/>
-                <a:tableStyleId>{789CF8F5-1CA5-4DA7-A079-32DAEDF5ADF3}</a:tableStyleId>
+                <a:tableStyleId>{247EBAF5-C904-44B3-95DD-DEF676FAB154}</a:tableStyleId>
               </a:tblPr>
               <a:tblGrid>
                 <a:gridCol w="2847900"/>
@@ -26766,7 +26766,7 @@
                 <a:cs typeface="Poppins"/>
                 <a:sym typeface="Poppins"/>
               </a:rPr>
-              <a:t>classification error 1</a:t>
+              <a:t>classification error 2</a:t>
             </a:r>
             <a:endParaRPr sz="1200">
               <a:latin typeface="Poppins"/>
@@ -26855,7 +26855,7 @@
                 <a:cs typeface="Poppins"/>
                 <a:sym typeface="Poppins"/>
               </a:rPr>
-              <a:t>classification error 1</a:t>
+              <a:t>classification error 3</a:t>
             </a:r>
             <a:endParaRPr sz="1200">
               <a:latin typeface="Poppins"/>
@@ -33878,7 +33878,7 @@
       </p:sp>
       <p:pic>
         <p:nvPicPr>
-          <p:cNvPr descr="{&quot;id&quot;:&quot;7&quot;,&quot;backgroundColor&quot;:&quot;#4A86E8&quot;,&quot;code&quot;:&quot;\\begin{lalign*}\n&amp;{\\text{Formula:}\\;}\\\\\n&amp;{}\\\\\n&amp;{VIF_{i}=\\frac{1}{1-R_{i}^{2}},\\,\\text{where}}\\\\\n&amp;{R_{i}^{2}\\;\\text{denotes}\\;\\text{the}\\;\\text{amount}\\;\\text{of}\\;\\text{variations}\\;\\text{explained}\\;\\text{by}\\;\\text{the}\\;\\text{regression}\\;\\text{of}\\;\\text{the}\\;\\text{i-th}\\;\\text{feature}\\;\\text{on}\\;\\text{other}\\;\\text{covariate}\\text{s}}\\\\\n&amp;{VIF_{i}\\,\\text{denotes}\\;\\text{the}\\;\\text{VIF}\\;\\text{for}\\;\\text{the}\\;\\text{regression}\\;\\text{of}\\;\\text{the}\\;\\text{j-th}\\;\\text{feature}\\;\\text{on}\\;\\text{other}\\;\\text{covariates}\\text{}}\t\n\\end{lalign*}&quot;,&quot;aid&quot;:null,&quot;type&quot;:&quot;lalign*&quot;,&quot;backgroundColorModified&quot;:false,&quot;font&quot;:{&quot;color&quot;:&quot;#FFFFFF&quot;,&quot;size&quot;:15.5,&quot;family&quot;:&quot;Poppins&quot;},&quot;ts&quot;:1654129351735,&quot;cs&quot;:&quot;6viOlK5RV71OPhDjUMV5Qg==&quot;,&quot;size&quot;:{&quot;width&quot;:924,&quot;height&quot;:161}}" id="541" name="Google Shape;541;p62"/>
+          <p:cNvPr descr="{&quot;code&quot;:&quot;\\begin{lalign*}\n&amp;{\\text{Formula:}\\;}\\\\\n&amp;{}\\\\\n&amp;{VIF_{i}=\\frac{1}{1-R_{i}^{2}},\\,\\text{where}}\\\\\n&amp;{R_{i}^{2}\\;\\text{denotes}\\;\\text{the}\\;\\text{amount}\\;\\text{of}\\;\\text{variations}\\;\\text{explained}\\;\\text{by}\\;\\text{the}\\;\\text{regression}\\;\\text{of}\\;\\text{the}\\;\\text{i-th}\\;\\text{feature}\\;\\text{on}\\;\\text{other}\\;\\text{covariate}\\text{s}}\\\\\n&amp;{VIF_{i}\\,\\text{denotes}\\;\\text{the}\\;\\text{VIF}\\;\\text{for}\\;\\text{the}\\;\\text{regression}\\;\\text{of}\\;\\text{the}\\;i\\text{-th}\\;\\text{feature}\\;\\text{on}\\;\\text{other}\\;\\text{covariates}\\text{}}\t\n\\end{lalign*}&quot;,&quot;aid&quot;:null,&quot;id&quot;:&quot;7&quot;,&quot;font&quot;:{&quot;size&quot;:15.5,&quot;family&quot;:&quot;Poppins&quot;,&quot;color&quot;:&quot;#FFFFFF&quot;},&quot;backgroundColor&quot;:&quot;#4A86E8&quot;,&quot;type&quot;:&quot;lalign*&quot;,&quot;backgroundColorModified&quot;:false,&quot;ts&quot;:1657404773309,&quot;cs&quot;:&quot;Ib4FliitNnATBT9P+YIY9w==&quot;,&quot;size&quot;:{&quot;width&quot;:924,&quot;height&quot;:161}}" id="541" name="Google Shape;541;p62"/>
           <p:cNvPicPr preferRelativeResize="0"/>
           <p:nvPr/>
         </p:nvPicPr>
